--- a/최정호 포트폴리오 명세서.pptx
+++ b/최정호 포트폴리오 명세서.pptx
@@ -115,6 +115,11 @@
       </a:defRPr>
     </a:lvl9pPr>
   </p:defaultTextStyle>
+  <p:extLst>
+    <p:ext uri="{EFAFB233-063F-42B5-8137-9DF3F51BA10A}">
+      <p15:sldGuideLst xmlns:p15="http://schemas.microsoft.com/office/powerpoint/2012/main"/>
+    </p:ext>
+  </p:extLst>
 </p:presentation>
 </file>
 
@@ -249,7 +254,7 @@
           <a:p>
             <a:fld id="{FBFDC56D-73F8-47B8-B036-37C86D339E76}" type="datetimeFigureOut">
               <a:rPr lang="ko-KR" altLang="en-US" smtClean="0"/>
-              <a:t>2023-02-22</a:t>
+              <a:t>2023-02-27</a:t>
             </a:fld>
             <a:endParaRPr lang="ko-KR" altLang="en-US"/>
           </a:p>
@@ -419,7 +424,7 @@
           <a:p>
             <a:fld id="{FBFDC56D-73F8-47B8-B036-37C86D339E76}" type="datetimeFigureOut">
               <a:rPr lang="ko-KR" altLang="en-US" smtClean="0"/>
-              <a:t>2023-02-22</a:t>
+              <a:t>2023-02-27</a:t>
             </a:fld>
             <a:endParaRPr lang="ko-KR" altLang="en-US"/>
           </a:p>
@@ -599,7 +604,7 @@
           <a:p>
             <a:fld id="{FBFDC56D-73F8-47B8-B036-37C86D339E76}" type="datetimeFigureOut">
               <a:rPr lang="ko-KR" altLang="en-US" smtClean="0"/>
-              <a:t>2023-02-22</a:t>
+              <a:t>2023-02-27</a:t>
             </a:fld>
             <a:endParaRPr lang="ko-KR" altLang="en-US"/>
           </a:p>
@@ -769,7 +774,7 @@
           <a:p>
             <a:fld id="{FBFDC56D-73F8-47B8-B036-37C86D339E76}" type="datetimeFigureOut">
               <a:rPr lang="ko-KR" altLang="en-US" smtClean="0"/>
-              <a:t>2023-02-22</a:t>
+              <a:t>2023-02-27</a:t>
             </a:fld>
             <a:endParaRPr lang="ko-KR" altLang="en-US"/>
           </a:p>
@@ -1015,7 +1020,7 @@
           <a:p>
             <a:fld id="{FBFDC56D-73F8-47B8-B036-37C86D339E76}" type="datetimeFigureOut">
               <a:rPr lang="ko-KR" altLang="en-US" smtClean="0"/>
-              <a:t>2023-02-22</a:t>
+              <a:t>2023-02-27</a:t>
             </a:fld>
             <a:endParaRPr lang="ko-KR" altLang="en-US"/>
           </a:p>
@@ -1247,7 +1252,7 @@
           <a:p>
             <a:fld id="{FBFDC56D-73F8-47B8-B036-37C86D339E76}" type="datetimeFigureOut">
               <a:rPr lang="ko-KR" altLang="en-US" smtClean="0"/>
-              <a:t>2023-02-22</a:t>
+              <a:t>2023-02-27</a:t>
             </a:fld>
             <a:endParaRPr lang="ko-KR" altLang="en-US"/>
           </a:p>
@@ -1614,7 +1619,7 @@
           <a:p>
             <a:fld id="{FBFDC56D-73F8-47B8-B036-37C86D339E76}" type="datetimeFigureOut">
               <a:rPr lang="ko-KR" altLang="en-US" smtClean="0"/>
-              <a:t>2023-02-22</a:t>
+              <a:t>2023-02-27</a:t>
             </a:fld>
             <a:endParaRPr lang="ko-KR" altLang="en-US"/>
           </a:p>
@@ -1732,7 +1737,7 @@
           <a:p>
             <a:fld id="{FBFDC56D-73F8-47B8-B036-37C86D339E76}" type="datetimeFigureOut">
               <a:rPr lang="ko-KR" altLang="en-US" smtClean="0"/>
-              <a:t>2023-02-22</a:t>
+              <a:t>2023-02-27</a:t>
             </a:fld>
             <a:endParaRPr lang="ko-KR" altLang="en-US"/>
           </a:p>
@@ -1827,7 +1832,7 @@
           <a:p>
             <a:fld id="{FBFDC56D-73F8-47B8-B036-37C86D339E76}" type="datetimeFigureOut">
               <a:rPr lang="ko-KR" altLang="en-US" smtClean="0"/>
-              <a:t>2023-02-22</a:t>
+              <a:t>2023-02-27</a:t>
             </a:fld>
             <a:endParaRPr lang="ko-KR" altLang="en-US"/>
           </a:p>
@@ -2104,7 +2109,7 @@
           <a:p>
             <a:fld id="{FBFDC56D-73F8-47B8-B036-37C86D339E76}" type="datetimeFigureOut">
               <a:rPr lang="ko-KR" altLang="en-US" smtClean="0"/>
-              <a:t>2023-02-22</a:t>
+              <a:t>2023-02-27</a:t>
             </a:fld>
             <a:endParaRPr lang="ko-KR" altLang="en-US"/>
           </a:p>
@@ -2357,7 +2362,7 @@
           <a:p>
             <a:fld id="{FBFDC56D-73F8-47B8-B036-37C86D339E76}" type="datetimeFigureOut">
               <a:rPr lang="ko-KR" altLang="en-US" smtClean="0"/>
-              <a:t>2023-02-22</a:t>
+              <a:t>2023-02-27</a:t>
             </a:fld>
             <a:endParaRPr lang="ko-KR" altLang="en-US"/>
           </a:p>
@@ -2570,7 +2575,7 @@
           <a:p>
             <a:fld id="{FBFDC56D-73F8-47B8-B036-37C86D339E76}" type="datetimeFigureOut">
               <a:rPr lang="ko-KR" altLang="en-US" smtClean="0"/>
-              <a:t>2023-02-22</a:t>
+              <a:t>2023-02-27</a:t>
             </a:fld>
             <a:endParaRPr lang="ko-KR" altLang="en-US"/>
           </a:p>
@@ -3870,7 +3875,7 @@
         <p:spPr>
           <a:xfrm>
             <a:off x="1315233" y="2497167"/>
-            <a:ext cx="5230919" cy="584775"/>
+            <a:ext cx="4370107" cy="338554"/>
           </a:xfrm>
           <a:prstGeom prst="rect">
             <a:avLst/>
@@ -3884,35 +3889,12 @@
           <a:lstStyle/>
           <a:p>
             <a:r>
-              <a:rPr lang="en-US" altLang="ko-KR" sz="1600" dirty="0"/>
-              <a:t>2</a:t>
-            </a:r>
-            <a:r>
               <a:rPr lang="en-US" altLang="ko-KR" sz="1600" dirty="0" smtClean="0"/>
-              <a:t>. </a:t>
+              <a:t>2. </a:t>
             </a:r>
             <a:r>
               <a:rPr lang="ko-KR" altLang="en-US" sz="1600" dirty="0" smtClean="0"/>
-              <a:t>너무 단순해 보일 수 있는 단점이 있으니 </a:t>
-            </a:r>
-            <a:r>
-              <a:rPr lang="en-US" altLang="ko-KR" sz="1600" dirty="0" err="1" smtClean="0"/>
-              <a:t>css,script</a:t>
-            </a:r>
-            <a:r>
-              <a:rPr lang="ko-KR" altLang="en-US" sz="1600" dirty="0" smtClean="0"/>
-              <a:t>를</a:t>
-            </a:r>
-            <a:endParaRPr lang="en-US" altLang="ko-KR" sz="1600" dirty="0" smtClean="0"/>
-          </a:p>
-          <a:p>
-            <a:r>
-              <a:rPr lang="en-US" altLang="ko-KR" sz="1600" dirty="0" smtClean="0"/>
-              <a:t> </a:t>
-            </a:r>
-            <a:r>
-              <a:rPr lang="ko-KR" altLang="en-US" sz="1600" dirty="0" smtClean="0"/>
-              <a:t>사용 하여 효과를 더 해 줘야 합니다</a:t>
+              <a:t>한눈에 들어오는 디자인으로 만들었습니다</a:t>
             </a:r>
             <a:r>
               <a:rPr lang="en-US" altLang="ko-KR" sz="1600" dirty="0" smtClean="0"/>
